--- a/Présentation Du Site Web.pptx
+++ b/Présentation Du Site Web.pptx
@@ -5,10 +5,10 @@
     <p:sldMasterId id="2147483648" r:id="rId1"/>
   </p:sldMasterIdLst>
   <p:notesMasterIdLst>
-    <p:notesMasterId r:id="rId21"/>
+    <p:notesMasterId r:id="rId22"/>
   </p:notesMasterIdLst>
   <p:handoutMasterIdLst>
-    <p:handoutMasterId r:id="rId22"/>
+    <p:handoutMasterId r:id="rId23"/>
   </p:handoutMasterIdLst>
   <p:sldIdLst>
     <p:sldId id="256" r:id="rId2"/>
@@ -24,12 +24,13 @@
     <p:sldId id="272" r:id="rId12"/>
     <p:sldId id="275" r:id="rId13"/>
     <p:sldId id="283" r:id="rId14"/>
-    <p:sldId id="276" r:id="rId15"/>
-    <p:sldId id="284" r:id="rId16"/>
-    <p:sldId id="277" r:id="rId17"/>
-    <p:sldId id="285" r:id="rId18"/>
-    <p:sldId id="286" r:id="rId19"/>
-    <p:sldId id="270" r:id="rId20"/>
+    <p:sldId id="287" r:id="rId15"/>
+    <p:sldId id="276" r:id="rId16"/>
+    <p:sldId id="284" r:id="rId17"/>
+    <p:sldId id="277" r:id="rId18"/>
+    <p:sldId id="285" r:id="rId19"/>
+    <p:sldId id="286" r:id="rId20"/>
+    <p:sldId id="270" r:id="rId21"/>
   </p:sldIdLst>
   <p:sldSz cx="12192000" cy="6858000"/>
   <p:notesSz cx="6858000" cy="9144000"/>
@@ -241,7 +242,7 @@
           <a:p>
             <a:fld id="{7A88151D-C4D7-7843-A161-635BE543EC39}" type="datetime1">
               <a:rPr lang="fr-FR" smtClean="0"/>
-              <a:t>31/05/2025</a:t>
+              <a:t>01/06/2025</a:t>
             </a:fld>
             <a:endParaRPr lang="fr-FR"/>
           </a:p>
@@ -319,7 +320,7 @@
           <a:p>
             <a:fld id="{6A7E4BB0-9649-134E-AE7E-ECA31BD22E1F}" type="slidenum">
               <a:rPr lang="fr-FR" smtClean="0"/>
-              <a:t>‹#›</a:t>
+              <a:t>‹N°›</a:t>
             </a:fld>
             <a:endParaRPr lang="fr-FR"/>
           </a:p>
@@ -425,7 +426,7 @@
             </a:pPr>
             <a:fld id="{E5E53835-D0ED-BD41-A6B6-F125FB508578}" type="datetime1">
               <a:rPr lang="fr-FR" smtClean="0"/>
-              <a:t>31/05/2025</a:t>
+              <a:t>01/06/2025</a:t>
             </a:fld>
             <a:endParaRPr lang="en-US"/>
           </a:p>
@@ -607,7 +608,7 @@
             </a:pPr>
             <a:fld id="{7E86D5CD-F53C-40AA-8F25-6C53AFF44ECB}" type="slidenum">
               <a:rPr lang="en-US"/>
-              <a:t>‹#›</a:t>
+              <a:t>‹N°›</a:t>
             </a:fld>
             <a:endParaRPr lang="en-US"/>
           </a:p>
@@ -1348,7 +1349,7 @@
             </a:pPr>
             <a:fld id="{A0CACDC1-A7B3-35E5-827A-DE9D6EAD37B8}" type="slidenum">
               <a:rPr/>
-              <a:t>13</a:t>
+              <a:t>14</a:t>
             </a:fld>
             <a:endParaRPr/>
           </a:p>
@@ -1462,7 +1463,7 @@
             </a:pPr>
             <a:fld id="{AA61E4A0-60DA-717D-E540-02824C637E5C}" type="slidenum">
               <a:rPr/>
-              <a:t>14</a:t>
+              <a:t>15</a:t>
             </a:fld>
             <a:endParaRPr/>
           </a:p>
@@ -1576,7 +1577,7 @@
             </a:pPr>
             <a:fld id="{A0CACDC1-A7B3-35E5-827A-DE9D6EAD37B8}" type="slidenum">
               <a:rPr/>
-              <a:t>15</a:t>
+              <a:t>16</a:t>
             </a:fld>
             <a:endParaRPr/>
           </a:p>
@@ -1690,7 +1691,7 @@
             </a:pPr>
             <a:fld id="{AA61E4A0-60DA-717D-E540-02824C637E5C}" type="slidenum">
               <a:rPr/>
-              <a:t>16</a:t>
+              <a:t>17</a:t>
             </a:fld>
             <a:endParaRPr/>
           </a:p>
@@ -1804,7 +1805,7 @@
             </a:pPr>
             <a:fld id="{AA61E4A0-60DA-717D-E540-02824C637E5C}" type="slidenum">
               <a:rPr/>
-              <a:t>17</a:t>
+              <a:t>18</a:t>
             </a:fld>
             <a:endParaRPr/>
           </a:p>
@@ -1894,7 +1895,7 @@
             </a:pPr>
             <a:fld id="{A0CACDC1-A7B3-35E5-827A-DE9D6EAD37B8}" type="slidenum">
               <a:rPr/>
-              <a:t>18</a:t>
+              <a:t>19</a:t>
             </a:fld>
             <a:endParaRPr/>
           </a:p>
@@ -2956,7 +2957,7 @@
             </a:pPr>
             <a:fld id="{AD38F115-81BB-444E-9007-CF024709621F}" type="datetime1">
               <a:rPr lang="fr-FR" smtClean="0"/>
-              <a:t>31/05/2025</a:t>
+              <a:t>01/06/2025</a:t>
             </a:fld>
             <a:endParaRPr lang="en-US"/>
           </a:p>
@@ -3004,7 +3005,7 @@
             </a:pPr>
             <a:fld id="{3A98EE3D-8CD1-4C3F-BD1C-C98C9596463C}" type="slidenum">
               <a:rPr lang="en-US"/>
-              <a:t>‹#›</a:t>
+              <a:t>‹N°›</a:t>
             </a:fld>
             <a:endParaRPr lang="en-US"/>
           </a:p>
@@ -3259,7 +3260,7 @@
             </a:pPr>
             <a:fld id="{E43FEE47-0CF2-C14E-B97C-CDC4B4C36357}" type="datetime1">
               <a:rPr lang="fr-FR" smtClean="0"/>
-              <a:t>31/05/2025</a:t>
+              <a:t>01/06/2025</a:t>
             </a:fld>
             <a:endParaRPr lang="en-US"/>
           </a:p>
@@ -3307,7 +3308,7 @@
             </a:pPr>
             <a:fld id="{3A98EE3D-8CD1-4C3F-BD1C-C98C9596463C}" type="slidenum">
               <a:rPr lang="en-US"/>
-              <a:t>‹#›</a:t>
+              <a:t>‹N°›</a:t>
             </a:fld>
             <a:endParaRPr lang="en-US"/>
           </a:p>
@@ -3463,7 +3464,7 @@
             </a:pPr>
             <a:fld id="{BE7256A8-2EBE-D246-870E-37CE1B58671F}" type="datetime1">
               <a:rPr lang="fr-FR" smtClean="0"/>
-              <a:t>31/05/2025</a:t>
+              <a:t>01/06/2025</a:t>
             </a:fld>
             <a:endParaRPr lang="en-US"/>
           </a:p>
@@ -3511,7 +3512,7 @@
             </a:pPr>
             <a:fld id="{3A98EE3D-8CD1-4C3F-BD1C-C98C9596463C}" type="slidenum">
               <a:rPr lang="en-US"/>
-              <a:t>‹#›</a:t>
+              <a:t>‹N°›</a:t>
             </a:fld>
             <a:endParaRPr lang="en-US"/>
           </a:p>
@@ -3739,7 +3740,7 @@
             </a:pPr>
             <a:fld id="{9C49F97C-551A-CB42-BF4E-5DB504AE167C}" type="datetime1">
               <a:rPr lang="fr-FR" smtClean="0"/>
-              <a:t>31/05/2025</a:t>
+              <a:t>01/06/2025</a:t>
             </a:fld>
             <a:endParaRPr lang="en-US"/>
           </a:p>
@@ -3787,7 +3788,7 @@
             </a:pPr>
             <a:fld id="{3A98EE3D-8CD1-4C3F-BD1C-C98C9596463C}" type="slidenum">
               <a:rPr lang="en-US"/>
-              <a:t>‹#›</a:t>
+              <a:t>‹N°›</a:t>
             </a:fld>
             <a:endParaRPr lang="en-US"/>
           </a:p>
@@ -4149,7 +4150,7 @@
             </a:pPr>
             <a:fld id="{AD839049-492F-1C4A-A797-50667F59AEC1}" type="datetime1">
               <a:rPr lang="fr-FR" smtClean="0"/>
-              <a:t>31/05/2025</a:t>
+              <a:t>01/06/2025</a:t>
             </a:fld>
             <a:endParaRPr lang="en-US"/>
           </a:p>
@@ -4197,7 +4198,7 @@
             </a:pPr>
             <a:fld id="{3A98EE3D-8CD1-4C3F-BD1C-C98C9596463C}" type="slidenum">
               <a:rPr lang="en-US"/>
-              <a:t>‹#›</a:t>
+              <a:t>‹N°›</a:t>
             </a:fld>
             <a:endParaRPr lang="en-US"/>
           </a:p>
@@ -4711,7 +4712,7 @@
             </a:pPr>
             <a:fld id="{E9ED2939-EC54-AA42-8F06-052567C3ED31}" type="datetime1">
               <a:rPr lang="fr-FR" smtClean="0"/>
-              <a:t>31/05/2025</a:t>
+              <a:t>01/06/2025</a:t>
             </a:fld>
             <a:endParaRPr lang="en-US"/>
           </a:p>
@@ -4759,7 +4760,7 @@
             </a:pPr>
             <a:fld id="{3A98EE3D-8CD1-4C3F-BD1C-C98C9596463C}" type="slidenum">
               <a:rPr lang="en-US"/>
-              <a:t>‹#›</a:t>
+              <a:t>‹N°›</a:t>
             </a:fld>
             <a:endParaRPr lang="en-US"/>
           </a:p>
@@ -5585,7 +5586,7 @@
             </a:pPr>
             <a:fld id="{3D2B02FA-9668-D44C-AEF2-9174DAAFBB84}" type="datetime1">
               <a:rPr lang="fr-FR" smtClean="0"/>
-              <a:t>31/05/2025</a:t>
+              <a:t>01/06/2025</a:t>
             </a:fld>
             <a:endParaRPr lang="en-US"/>
           </a:p>
@@ -5633,7 +5634,7 @@
             </a:pPr>
             <a:fld id="{3A98EE3D-8CD1-4C3F-BD1C-C98C9596463C}" type="slidenum">
               <a:rPr lang="en-US"/>
-              <a:t>‹#›</a:t>
+              <a:t>‹N°›</a:t>
             </a:fld>
             <a:endParaRPr lang="en-US"/>
           </a:p>
@@ -5776,7 +5777,7 @@
             </a:pPr>
             <a:fld id="{DB79E4A4-9730-E34C-AEEC-6401583BDCD6}" type="datetime1">
               <a:rPr lang="fr-FR" smtClean="0"/>
-              <a:t>31/05/2025</a:t>
+              <a:t>01/06/2025</a:t>
             </a:fld>
             <a:endParaRPr lang="en-US"/>
           </a:p>
@@ -5824,7 +5825,7 @@
             </a:pPr>
             <a:fld id="{3A98EE3D-8CD1-4C3F-BD1C-C98C9596463C}" type="slidenum">
               <a:rPr lang="en-US"/>
-              <a:t>‹#›</a:t>
+              <a:t>‹N°›</a:t>
             </a:fld>
             <a:endParaRPr lang="en-US"/>
           </a:p>
@@ -5981,7 +5982,7 @@
             </a:pPr>
             <a:fld id="{7699FCED-4896-B847-A46D-BE258DF5D75F}" type="datetime1">
               <a:rPr lang="fr-FR" smtClean="0"/>
-              <a:t>31/05/2025</a:t>
+              <a:t>01/06/2025</a:t>
             </a:fld>
             <a:endParaRPr lang="en-US"/>
           </a:p>
@@ -6029,7 +6030,7 @@
             </a:pPr>
             <a:fld id="{3A98EE3D-8CD1-4C3F-BD1C-C98C9596463C}" type="slidenum">
               <a:rPr lang="en-US"/>
-              <a:t>‹#›</a:t>
+              <a:t>‹N°›</a:t>
             </a:fld>
             <a:endParaRPr lang="en-US"/>
           </a:p>
@@ -6172,7 +6173,7 @@
             </a:pPr>
             <a:fld id="{7C41F2AE-F21C-8945-A378-B145CA91FB58}" type="datetime1">
               <a:rPr lang="fr-FR" smtClean="0"/>
-              <a:t>31/05/2025</a:t>
+              <a:t>01/06/2025</a:t>
             </a:fld>
             <a:endParaRPr lang="en-US"/>
           </a:p>
@@ -6220,7 +6221,7 @@
             </a:pPr>
             <a:fld id="{3A98EE3D-8CD1-4C3F-BD1C-C98C9596463C}" type="slidenum">
               <a:rPr lang="en-US"/>
-              <a:t>‹#›</a:t>
+              <a:t>‹N°›</a:t>
             </a:fld>
             <a:endParaRPr lang="en-US"/>
           </a:p>
@@ -6426,7 +6427,7 @@
             </a:pPr>
             <a:fld id="{935E062A-29FE-4D48-9010-9BB55CF8759C}" type="datetime1">
               <a:rPr lang="fr-FR" smtClean="0"/>
-              <a:t>31/05/2025</a:t>
+              <a:t>01/06/2025</a:t>
             </a:fld>
             <a:endParaRPr lang="en-US"/>
           </a:p>
@@ -6474,7 +6475,7 @@
             </a:pPr>
             <a:fld id="{3A98EE3D-8CD1-4C3F-BD1C-C98C9596463C}" type="slidenum">
               <a:rPr lang="en-US"/>
-              <a:t>‹#›</a:t>
+              <a:t>‹N°›</a:t>
             </a:fld>
             <a:endParaRPr lang="en-US"/>
           </a:p>
@@ -6710,7 +6711,7 @@
             </a:pPr>
             <a:fld id="{ED67C38B-D222-6046-B539-131F1128E7E2}" type="datetime1">
               <a:rPr lang="fr-FR" smtClean="0"/>
-              <a:t>31/05/2025</a:t>
+              <a:t>01/06/2025</a:t>
             </a:fld>
             <a:endParaRPr lang="en-US"/>
           </a:p>
@@ -6758,7 +6759,7 @@
             </a:pPr>
             <a:fld id="{3A98EE3D-8CD1-4C3F-BD1C-C98C9596463C}" type="slidenum">
               <a:rPr lang="en-US"/>
-              <a:t>‹#›</a:t>
+              <a:t>‹N°›</a:t>
             </a:fld>
             <a:endParaRPr lang="en-US"/>
           </a:p>
@@ -7206,7 +7207,7 @@
             </a:pPr>
             <a:fld id="{F33676A0-7278-EB45-8D7D-EDB306D90A4C}" type="datetime1">
               <a:rPr lang="fr-FR" smtClean="0"/>
-              <a:t>31/05/2025</a:t>
+              <a:t>01/06/2025</a:t>
             </a:fld>
             <a:endParaRPr lang="en-US"/>
           </a:p>
@@ -7254,7 +7255,7 @@
             </a:pPr>
             <a:fld id="{3A98EE3D-8CD1-4C3F-BD1C-C98C9596463C}" type="slidenum">
               <a:rPr lang="en-US"/>
-              <a:t>‹#›</a:t>
+              <a:t>‹N°›</a:t>
             </a:fld>
             <a:endParaRPr lang="en-US"/>
           </a:p>
@@ -7331,7 +7332,7 @@
             </a:pPr>
             <a:fld id="{CD1913B5-A8C1-D14E-8C24-A8E1789E1B3F}" type="datetime1">
               <a:rPr lang="fr-FR" smtClean="0"/>
-              <a:t>31/05/2025</a:t>
+              <a:t>01/06/2025</a:t>
             </a:fld>
             <a:endParaRPr lang="en-US"/>
           </a:p>
@@ -7379,7 +7380,7 @@
             </a:pPr>
             <a:fld id="{3A98EE3D-8CD1-4C3F-BD1C-C98C9596463C}" type="slidenum">
               <a:rPr lang="en-US"/>
-              <a:t>‹#›</a:t>
+              <a:t>‹N°›</a:t>
             </a:fld>
             <a:endParaRPr lang="en-US"/>
           </a:p>
@@ -7430,7 +7431,7 @@
             </a:pPr>
             <a:fld id="{AEDFCCA7-4F37-FF42-B210-799BF0E14521}" type="datetime1">
               <a:rPr lang="fr-FR" smtClean="0"/>
-              <a:t>31/05/2025</a:t>
+              <a:t>01/06/2025</a:t>
             </a:fld>
             <a:endParaRPr lang="en-US"/>
           </a:p>
@@ -7478,7 +7479,7 @@
             </a:pPr>
             <a:fld id="{3A98EE3D-8CD1-4C3F-BD1C-C98C9596463C}" type="slidenum">
               <a:rPr lang="en-US"/>
-              <a:t>‹#›</a:t>
+              <a:t>‹N°›</a:t>
             </a:fld>
             <a:endParaRPr lang="en-US"/>
           </a:p>
@@ -7709,7 +7710,7 @@
             </a:pPr>
             <a:fld id="{0F44706F-2AB9-B24F-B2CF-420095899EB3}" type="datetime1">
               <a:rPr lang="fr-FR" smtClean="0"/>
-              <a:t>31/05/2025</a:t>
+              <a:t>01/06/2025</a:t>
             </a:fld>
             <a:endParaRPr lang="en-US"/>
           </a:p>
@@ -7757,7 +7758,7 @@
             </a:pPr>
             <a:fld id="{3A98EE3D-8CD1-4C3F-BD1C-C98C9596463C}" type="slidenum">
               <a:rPr lang="en-US"/>
-              <a:t>‹#›</a:t>
+              <a:t>‹N°›</a:t>
             </a:fld>
             <a:endParaRPr lang="en-US"/>
           </a:p>
@@ -8014,7 +8015,7 @@
             </a:pPr>
             <a:fld id="{FAC8330E-FFD9-6442-96DF-22B75D7659B2}" type="datetime1">
               <a:rPr lang="fr-FR" smtClean="0"/>
-              <a:t>31/05/2025</a:t>
+              <a:t>01/06/2025</a:t>
             </a:fld>
             <a:endParaRPr lang="en-US"/>
           </a:p>
@@ -8062,7 +8063,7 @@
             </a:pPr>
             <a:fld id="{3A98EE3D-8CD1-4C3F-BD1C-C98C9596463C}" type="slidenum">
               <a:rPr lang="en-US"/>
-              <a:t>‹#›</a:t>
+              <a:t>‹N°›</a:t>
             </a:fld>
             <a:endParaRPr lang="en-US"/>
           </a:p>
@@ -8262,7 +8263,7 @@
             </a:pPr>
             <a:fld id="{92999F7B-5C11-0843-99FE-F25C579BA37E}" type="datetime1">
               <a:rPr lang="fr-FR" smtClean="0"/>
-              <a:t>31/05/2025</a:t>
+              <a:t>01/06/2025</a:t>
             </a:fld>
             <a:endParaRPr lang="en-US"/>
           </a:p>
@@ -8346,7 +8347,7 @@
             </a:pPr>
             <a:fld id="{3A98EE3D-8CD1-4C3F-BD1C-C98C9596463C}" type="slidenum">
               <a:rPr lang="en-US"/>
-              <a:t>‹#›</a:t>
+              <a:t>‹N°›</a:t>
             </a:fld>
             <a:endParaRPr lang="en-US"/>
           </a:p>
@@ -9582,6 +9583,156 @@
 </file>
 
 <file path=ppt/slides/slide14.xml><?xml version="1.0" encoding="utf-8"?>
+<p:sld xmlns:a="http://schemas.openxmlformats.org/drawingml/2006/main" xmlns:r="http://schemas.openxmlformats.org/officeDocument/2006/relationships" xmlns:p="http://schemas.openxmlformats.org/presentationml/2006/main">
+  <p:cSld>
+    <p:spTree>
+      <p:nvGrpSpPr>
+        <p:cNvPr id="1" name=""/>
+        <p:cNvGrpSpPr/>
+        <p:nvPr/>
+      </p:nvGrpSpPr>
+      <p:grpSpPr>
+        <a:xfrm>
+          <a:off x="0" y="0"/>
+          <a:ext cx="0" cy="0"/>
+          <a:chOff x="0" y="0"/>
+          <a:chExt cx="0" cy="0"/>
+        </a:xfrm>
+      </p:grpSpPr>
+      <p:sp>
+        <p:nvSpPr>
+          <p:cNvPr id="2" name="Titre 1">
+            <a:extLst>
+              <a:ext uri="{FF2B5EF4-FFF2-40B4-BE49-F238E27FC236}">
+                <a16:creationId xmlns:a16="http://schemas.microsoft.com/office/drawing/2014/main" id="{24CAAF26-0511-CB6B-7F18-5C5F9FDB8876}"/>
+              </a:ext>
+            </a:extLst>
+          </p:cNvPr>
+          <p:cNvSpPr>
+            <a:spLocks noGrp="1"/>
+          </p:cNvSpPr>
+          <p:nvPr>
+            <p:ph type="title"/>
+          </p:nvPr>
+        </p:nvSpPr>
+        <p:spPr/>
+        <p:txBody>
+          <a:bodyPr/>
+          <a:lstStyle/>
+          <a:p>
+            <a:r>
+              <a:rPr lang="fr-FR" dirty="0"/>
+              <a:t>Mouvement du puzzle</a:t>
+            </a:r>
+          </a:p>
+        </p:txBody>
+      </p:sp>
+      <p:sp>
+        <p:nvSpPr>
+          <p:cNvPr id="4" name="Espace réservé du numéro de diapositive 3">
+            <a:extLst>
+              <a:ext uri="{FF2B5EF4-FFF2-40B4-BE49-F238E27FC236}">
+                <a16:creationId xmlns:a16="http://schemas.microsoft.com/office/drawing/2014/main" id="{70F8FAE5-2756-F772-103C-5226293976F7}"/>
+              </a:ext>
+            </a:extLst>
+          </p:cNvPr>
+          <p:cNvSpPr>
+            <a:spLocks noGrp="1"/>
+          </p:cNvSpPr>
+          <p:nvPr>
+            <p:ph type="sldNum" sz="quarter" idx="12"/>
+          </p:nvPr>
+        </p:nvSpPr>
+        <p:spPr/>
+        <p:txBody>
+          <a:bodyPr/>
+          <a:lstStyle/>
+          <a:p>
+            <a:pPr>
+              <a:defRPr/>
+            </a:pPr>
+            <a:fld id="{3A98EE3D-8CD1-4C3F-BD1C-C98C9596463C}" type="slidenum">
+              <a:rPr lang="en-US" smtClean="0"/>
+              <a:t>13</a:t>
+            </a:fld>
+            <a:endParaRPr lang="en-US"/>
+          </a:p>
+        </p:txBody>
+      </p:sp>
+      <p:pic>
+        <p:nvPicPr>
+          <p:cNvPr id="6" name="Image 5">
+            <a:extLst>
+              <a:ext uri="{FF2B5EF4-FFF2-40B4-BE49-F238E27FC236}">
+                <a16:creationId xmlns:a16="http://schemas.microsoft.com/office/drawing/2014/main" id="{E6A0DABF-7318-2A44-5FB7-AD1F33948F90}"/>
+              </a:ext>
+            </a:extLst>
+          </p:cNvPr>
+          <p:cNvPicPr>
+            <a:picLocks noChangeAspect="1"/>
+          </p:cNvPicPr>
+          <p:nvPr/>
+        </p:nvPicPr>
+        <p:blipFill>
+          <a:blip r:embed="rId2"/>
+          <a:stretch>
+            <a:fillRect/>
+          </a:stretch>
+        </p:blipFill>
+        <p:spPr>
+          <a:xfrm>
+            <a:off x="637167" y="1741131"/>
+            <a:ext cx="3574057" cy="4624743"/>
+          </a:xfrm>
+          <a:prstGeom prst="rect">
+            <a:avLst/>
+          </a:prstGeom>
+        </p:spPr>
+      </p:pic>
+      <p:pic>
+        <p:nvPicPr>
+          <p:cNvPr id="8" name="Image 7">
+            <a:extLst>
+              <a:ext uri="{FF2B5EF4-FFF2-40B4-BE49-F238E27FC236}">
+                <a16:creationId xmlns:a16="http://schemas.microsoft.com/office/drawing/2014/main" id="{63A08113-4409-B7C9-718A-716B8A0CF40B}"/>
+              </a:ext>
+            </a:extLst>
+          </p:cNvPr>
+          <p:cNvPicPr>
+            <a:picLocks noChangeAspect="1"/>
+          </p:cNvPicPr>
+          <p:nvPr/>
+        </p:nvPicPr>
+        <p:blipFill>
+          <a:blip r:embed="rId3"/>
+          <a:stretch>
+            <a:fillRect/>
+          </a:stretch>
+        </p:blipFill>
+        <p:spPr>
+          <a:xfrm>
+            <a:off x="4945496" y="3020729"/>
+            <a:ext cx="6525536" cy="1571844"/>
+          </a:xfrm>
+          <a:prstGeom prst="rect">
+            <a:avLst/>
+          </a:prstGeom>
+        </p:spPr>
+      </p:pic>
+    </p:spTree>
+    <p:extLst>
+      <p:ext uri="{BB962C8B-B14F-4D97-AF65-F5344CB8AC3E}">
+        <p14:creationId xmlns:p14="http://schemas.microsoft.com/office/powerpoint/2010/main" val="3127499280"/>
+      </p:ext>
+    </p:extLst>
+  </p:cSld>
+  <p:clrMapOvr>
+    <a:masterClrMapping/>
+  </p:clrMapOvr>
+</p:sld>
+</file>
+
+<file path=ppt/slides/slide15.xml><?xml version="1.0" encoding="utf-8"?>
 <p:sld xmlns:a="http://schemas.openxmlformats.org/drawingml/2006/main" xmlns:r="http://schemas.openxmlformats.org/officeDocument/2006/relationships" xmlns:p="http://schemas.openxmlformats.org/presentationml/2006/main" showMasterPhAnim="0">
   <p:cSld>
     <p:spTree>
@@ -9708,7 +9859,7 @@
             </a:pPr>
             <a:fld id="{3A98EE3D-8CD1-4C3F-BD1C-C98C9596463C}" type="slidenum">
               <a:rPr lang="en-US" smtClean="0"/>
-              <a:t>13</a:t>
+              <a:t>14</a:t>
             </a:fld>
             <a:endParaRPr lang="en-US"/>
           </a:p>
@@ -9727,7 +9878,7 @@
 </p:sld>
 </file>
 
-<file path=ppt/slides/slide15.xml><?xml version="1.0" encoding="utf-8"?>
+<file path=ppt/slides/slide16.xml><?xml version="1.0" encoding="utf-8"?>
 <p:sld xmlns:a="http://schemas.openxmlformats.org/drawingml/2006/main" xmlns:r="http://schemas.openxmlformats.org/officeDocument/2006/relationships" xmlns:p="http://schemas.openxmlformats.org/presentationml/2006/main" showMasterPhAnim="0">
   <p:cSld>
     <p:spTree>
@@ -9844,7 +9995,7 @@
             </a:pPr>
             <a:fld id="{3A98EE3D-8CD1-4C3F-BD1C-C98C9596463C}" type="slidenum">
               <a:rPr lang="en-US" smtClean="0"/>
-              <a:t>14</a:t>
+              <a:t>15</a:t>
             </a:fld>
             <a:endParaRPr lang="en-US"/>
           </a:p>
@@ -9863,7 +10014,7 @@
 </p:sld>
 </file>
 
-<file path=ppt/slides/slide16.xml><?xml version="1.0" encoding="utf-8"?>
+<file path=ppt/slides/slide17.xml><?xml version="1.0" encoding="utf-8"?>
 <p:sld xmlns:a="http://schemas.openxmlformats.org/drawingml/2006/main" xmlns:r="http://schemas.openxmlformats.org/officeDocument/2006/relationships" xmlns:p="http://schemas.openxmlformats.org/presentationml/2006/main" showMasterPhAnim="0">
   <p:cSld>
     <p:spTree>
@@ -9990,7 +10141,7 @@
             </a:pPr>
             <a:fld id="{3A98EE3D-8CD1-4C3F-BD1C-C98C9596463C}" type="slidenum">
               <a:rPr lang="en-US" smtClean="0"/>
-              <a:t>15</a:t>
+              <a:t>16</a:t>
             </a:fld>
             <a:endParaRPr lang="en-US"/>
           </a:p>
@@ -10009,7 +10160,7 @@
 </p:sld>
 </file>
 
-<file path=ppt/slides/slide17.xml><?xml version="1.0" encoding="utf-8"?>
+<file path=ppt/slides/slide18.xml><?xml version="1.0" encoding="utf-8"?>
 <p:sld xmlns:a="http://schemas.openxmlformats.org/drawingml/2006/main" xmlns:r="http://schemas.openxmlformats.org/officeDocument/2006/relationships" xmlns:p="http://schemas.openxmlformats.org/presentationml/2006/main" showMasterPhAnim="0">
   <p:cSld>
     <p:spTree>
@@ -10156,7 +10307,7 @@
             </a:pPr>
             <a:fld id="{3A98EE3D-8CD1-4C3F-BD1C-C98C9596463C}" type="slidenum">
               <a:rPr lang="en-US" smtClean="0"/>
-              <a:t>16</a:t>
+              <a:t>17</a:t>
             </a:fld>
             <a:endParaRPr lang="en-US"/>
           </a:p>
@@ -10175,7 +10326,7 @@
 </p:sld>
 </file>
 
-<file path=ppt/slides/slide18.xml><?xml version="1.0" encoding="utf-8"?>
+<file path=ppt/slides/slide19.xml><?xml version="1.0" encoding="utf-8"?>
 <p:sld xmlns:a="http://schemas.openxmlformats.org/drawingml/2006/main" xmlns:r="http://schemas.openxmlformats.org/officeDocument/2006/relationships" xmlns:p="http://schemas.openxmlformats.org/presentationml/2006/main" showMasterPhAnim="0">
   <p:cSld>
     <p:spTree>
@@ -10262,141 +10413,78 @@
             </a:pPr>
             <a:fld id="{3A98EE3D-8CD1-4C3F-BD1C-C98C9596463C}" type="slidenum">
               <a:rPr lang="en-US" smtClean="0"/>
-              <a:t>17</a:t>
+              <a:t>18</a:t>
             </a:fld>
             <a:endParaRPr lang="en-US"/>
           </a:p>
         </p:txBody>
       </p:sp>
+      <p:pic>
+        <p:nvPicPr>
+          <p:cNvPr id="4" name="Image 3">
+            <a:extLst>
+              <a:ext uri="{FF2B5EF4-FFF2-40B4-BE49-F238E27FC236}">
+                <a16:creationId xmlns:a16="http://schemas.microsoft.com/office/drawing/2014/main" id="{78D68757-99BF-141D-AC67-381416AF1915}"/>
+              </a:ext>
+            </a:extLst>
+          </p:cNvPr>
+          <p:cNvPicPr>
+            <a:picLocks noChangeAspect="1"/>
+          </p:cNvPicPr>
+          <p:nvPr/>
+        </p:nvPicPr>
+        <p:blipFill>
+          <a:blip r:embed="rId3"/>
+          <a:stretch>
+            <a:fillRect/>
+          </a:stretch>
+        </p:blipFill>
+        <p:spPr>
+          <a:xfrm>
+            <a:off x="513176" y="876300"/>
+            <a:ext cx="1990161" cy="5772150"/>
+          </a:xfrm>
+          <a:prstGeom prst="rect">
+            <a:avLst/>
+          </a:prstGeom>
+        </p:spPr>
+      </p:pic>
+      <p:pic>
+        <p:nvPicPr>
+          <p:cNvPr id="7" name="Image 6">
+            <a:extLst>
+              <a:ext uri="{FF2B5EF4-FFF2-40B4-BE49-F238E27FC236}">
+                <a16:creationId xmlns:a16="http://schemas.microsoft.com/office/drawing/2014/main" id="{4E902DDC-2368-A3B6-C13B-3AADDB682829}"/>
+              </a:ext>
+            </a:extLst>
+          </p:cNvPr>
+          <p:cNvPicPr>
+            <a:picLocks noChangeAspect="1"/>
+          </p:cNvPicPr>
+          <p:nvPr/>
+        </p:nvPicPr>
+        <p:blipFill>
+          <a:blip r:embed="rId4"/>
+          <a:stretch>
+            <a:fillRect/>
+          </a:stretch>
+        </p:blipFill>
+        <p:spPr>
+          <a:xfrm>
+            <a:off x="3170175" y="2619215"/>
+            <a:ext cx="8097380" cy="2286319"/>
+          </a:xfrm>
+          <a:prstGeom prst="rect">
+            <a:avLst/>
+          </a:prstGeom>
+        </p:spPr>
+      </p:pic>
     </p:spTree>
     <p:extLst>
       <p:ext uri="{BB962C8B-B14F-4D97-AF65-F5344CB8AC3E}">
         <p14:creationId xmlns:p14="http://schemas.microsoft.com/office/powerpoint/2010/main" val="1770794604"/>
       </p:ext>
     </p:extLst>
-  </p:cSld>
-  <p:clrMapOvr>
-    <a:masterClrMapping/>
-  </p:clrMapOvr>
-</p:sld>
-</file>
-
-<file path=ppt/slides/slide19.xml><?xml version="1.0" encoding="utf-8"?>
-<p:sld xmlns:a="http://schemas.openxmlformats.org/drawingml/2006/main" xmlns:r="http://schemas.openxmlformats.org/officeDocument/2006/relationships" xmlns:p="http://schemas.openxmlformats.org/presentationml/2006/main" showMasterPhAnim="0">
-  <p:cSld>
-    <p:spTree>
-      <p:nvGrpSpPr>
-        <p:cNvPr id="1" name=""/>
-        <p:cNvGrpSpPr/>
-        <p:nvPr/>
-      </p:nvGrpSpPr>
-      <p:grpSpPr bwMode="auto">
-        <a:xfrm>
-          <a:off x="0" y="0"/>
-          <a:ext cx="0" cy="0"/>
-          <a:chOff x="0" y="0"/>
-          <a:chExt cx="0" cy="0"/>
-        </a:xfrm>
-      </p:grpSpPr>
-      <p:sp>
-        <p:nvSpPr>
-          <p:cNvPr id="2" name="Titre 1"/>
-          <p:cNvSpPr>
-            <a:spLocks noGrp="1"/>
-          </p:cNvSpPr>
-          <p:nvPr>
-            <p:ph type="ctrTitle"/>
-          </p:nvPr>
-        </p:nvSpPr>
-        <p:spPr bwMode="auto">
-          <a:xfrm>
-            <a:off x="1175657" y="1425040"/>
-            <a:ext cx="9635070" cy="1466602"/>
-          </a:xfrm>
-        </p:spPr>
-        <p:txBody>
-          <a:bodyPr rtlCol="0">
-            <a:normAutofit/>
-          </a:bodyPr>
-          <a:lstStyle/>
-          <a:p>
-            <a:pPr>
-              <a:defRPr/>
-            </a:pPr>
-            <a:r>
-              <a:rPr lang="fr-FR" sz="7200"/>
-              <a:t>Conclusion</a:t>
-            </a:r>
-            <a:endParaRPr lang="fr" sz="7200"/>
-          </a:p>
-        </p:txBody>
-      </p:sp>
-      <p:sp>
-        <p:nvSpPr>
-          <p:cNvPr id="3" name="Sous-titre 2"/>
-          <p:cNvSpPr>
-            <a:spLocks noGrp="1"/>
-          </p:cNvSpPr>
-          <p:nvPr>
-            <p:ph type="subTitle" idx="1"/>
-          </p:nvPr>
-        </p:nvSpPr>
-        <p:spPr bwMode="auto">
-          <a:xfrm>
-            <a:off x="1370693" y="4435434"/>
-            <a:ext cx="9440034" cy="873166"/>
-          </a:xfrm>
-        </p:spPr>
-        <p:txBody>
-          <a:bodyPr rtlCol="0">
-            <a:normAutofit/>
-          </a:bodyPr>
-          <a:lstStyle/>
-          <a:p>
-            <a:pPr>
-              <a:defRPr/>
-            </a:pPr>
-            <a:r>
-              <a:rPr lang="fr" sz="2800"/>
-              <a:t>Merci de nous avoir écouté</a:t>
-            </a:r>
-            <a:endParaRPr/>
-          </a:p>
-        </p:txBody>
-      </p:sp>
-      <p:sp>
-        <p:nvSpPr>
-          <p:cNvPr id="5" name="Slide Number Placeholder 4">
-            <a:extLst>
-              <a:ext uri="{FF2B5EF4-FFF2-40B4-BE49-F238E27FC236}">
-                <a16:creationId xmlns:a16="http://schemas.microsoft.com/office/drawing/2014/main" id="{2197A377-0394-10E9-D3CD-35B0FDD8150F}"/>
-              </a:ext>
-            </a:extLst>
-          </p:cNvPr>
-          <p:cNvSpPr>
-            <a:spLocks noGrp="1"/>
-          </p:cNvSpPr>
-          <p:nvPr>
-            <p:ph type="sldNum" sz="quarter" idx="12"/>
-          </p:nvPr>
-        </p:nvSpPr>
-        <p:spPr/>
-        <p:txBody>
-          <a:bodyPr/>
-          <a:lstStyle/>
-          <a:p>
-            <a:pPr>
-              <a:defRPr/>
-            </a:pPr>
-            <a:fld id="{3A98EE3D-8CD1-4C3F-BD1C-C98C9596463C}" type="slidenum">
-              <a:rPr lang="en-US" smtClean="0"/>
-              <a:t>18</a:t>
-            </a:fld>
-            <a:endParaRPr lang="en-US"/>
-          </a:p>
-        </p:txBody>
-      </p:sp>
-    </p:spTree>
   </p:cSld>
   <p:clrMapOvr>
     <a:masterClrMapping/>
@@ -10858,6 +10946,129 @@
             <a:fld id="{3A98EE3D-8CD1-4C3F-BD1C-C98C9596463C}" type="slidenum">
               <a:rPr lang="en-US" smtClean="0"/>
               <a:t>1</a:t>
+            </a:fld>
+            <a:endParaRPr lang="en-US"/>
+          </a:p>
+        </p:txBody>
+      </p:sp>
+    </p:spTree>
+  </p:cSld>
+  <p:clrMapOvr>
+    <a:masterClrMapping/>
+  </p:clrMapOvr>
+</p:sld>
+</file>
+
+<file path=ppt/slides/slide20.xml><?xml version="1.0" encoding="utf-8"?>
+<p:sld xmlns:a="http://schemas.openxmlformats.org/drawingml/2006/main" xmlns:r="http://schemas.openxmlformats.org/officeDocument/2006/relationships" xmlns:p="http://schemas.openxmlformats.org/presentationml/2006/main" showMasterPhAnim="0">
+  <p:cSld>
+    <p:spTree>
+      <p:nvGrpSpPr>
+        <p:cNvPr id="1" name=""/>
+        <p:cNvGrpSpPr/>
+        <p:nvPr/>
+      </p:nvGrpSpPr>
+      <p:grpSpPr bwMode="auto">
+        <a:xfrm>
+          <a:off x="0" y="0"/>
+          <a:ext cx="0" cy="0"/>
+          <a:chOff x="0" y="0"/>
+          <a:chExt cx="0" cy="0"/>
+        </a:xfrm>
+      </p:grpSpPr>
+      <p:sp>
+        <p:nvSpPr>
+          <p:cNvPr id="2" name="Titre 1"/>
+          <p:cNvSpPr>
+            <a:spLocks noGrp="1"/>
+          </p:cNvSpPr>
+          <p:nvPr>
+            <p:ph type="ctrTitle"/>
+          </p:nvPr>
+        </p:nvSpPr>
+        <p:spPr bwMode="auto">
+          <a:xfrm>
+            <a:off x="1175657" y="1425040"/>
+            <a:ext cx="9635070" cy="1466602"/>
+          </a:xfrm>
+        </p:spPr>
+        <p:txBody>
+          <a:bodyPr rtlCol="0">
+            <a:normAutofit/>
+          </a:bodyPr>
+          <a:lstStyle/>
+          <a:p>
+            <a:pPr>
+              <a:defRPr/>
+            </a:pPr>
+            <a:r>
+              <a:rPr lang="fr-FR" sz="7200"/>
+              <a:t>Conclusion</a:t>
+            </a:r>
+            <a:endParaRPr lang="fr" sz="7200"/>
+          </a:p>
+        </p:txBody>
+      </p:sp>
+      <p:sp>
+        <p:nvSpPr>
+          <p:cNvPr id="3" name="Sous-titre 2"/>
+          <p:cNvSpPr>
+            <a:spLocks noGrp="1"/>
+          </p:cNvSpPr>
+          <p:nvPr>
+            <p:ph type="subTitle" idx="1"/>
+          </p:nvPr>
+        </p:nvSpPr>
+        <p:spPr bwMode="auto">
+          <a:xfrm>
+            <a:off x="1370693" y="4435434"/>
+            <a:ext cx="9440034" cy="873166"/>
+          </a:xfrm>
+        </p:spPr>
+        <p:txBody>
+          <a:bodyPr rtlCol="0">
+            <a:normAutofit/>
+          </a:bodyPr>
+          <a:lstStyle/>
+          <a:p>
+            <a:pPr>
+              <a:defRPr/>
+            </a:pPr>
+            <a:r>
+              <a:rPr lang="fr" sz="2800"/>
+              <a:t>Merci de nous avoir écouté</a:t>
+            </a:r>
+            <a:endParaRPr/>
+          </a:p>
+        </p:txBody>
+      </p:sp>
+      <p:sp>
+        <p:nvSpPr>
+          <p:cNvPr id="5" name="Slide Number Placeholder 4">
+            <a:extLst>
+              <a:ext uri="{FF2B5EF4-FFF2-40B4-BE49-F238E27FC236}">
+                <a16:creationId xmlns:a16="http://schemas.microsoft.com/office/drawing/2014/main" id="{2197A377-0394-10E9-D3CD-35B0FDD8150F}"/>
+              </a:ext>
+            </a:extLst>
+          </p:cNvPr>
+          <p:cNvSpPr>
+            <a:spLocks noGrp="1"/>
+          </p:cNvSpPr>
+          <p:nvPr>
+            <p:ph type="sldNum" sz="quarter" idx="12"/>
+          </p:nvPr>
+        </p:nvSpPr>
+        <p:spPr/>
+        <p:txBody>
+          <a:bodyPr/>
+          <a:lstStyle/>
+          <a:p>
+            <a:pPr>
+              <a:defRPr/>
+            </a:pPr>
+            <a:fld id="{3A98EE3D-8CD1-4C3F-BD1C-C98C9596463C}" type="slidenum">
+              <a:rPr lang="en-US" smtClean="0"/>
+              <a:t>19</a:t>
             </a:fld>
             <a:endParaRPr lang="en-US"/>
           </a:p>

--- a/Présentation Du Site Web.pptx
+++ b/Présentation Du Site Web.pptx
@@ -320,7 +320,7 @@
           <a:p>
             <a:fld id="{6A7E4BB0-9649-134E-AE7E-ECA31BD22E1F}" type="slidenum">
               <a:rPr lang="fr-FR" smtClean="0"/>
-              <a:t>‹N°›</a:t>
+              <a:t>‹#›</a:t>
             </a:fld>
             <a:endParaRPr lang="fr-FR"/>
           </a:p>
@@ -608,7 +608,7 @@
             </a:pPr>
             <a:fld id="{7E86D5CD-F53C-40AA-8F25-6C53AFF44ECB}" type="slidenum">
               <a:rPr lang="en-US"/>
-              <a:t>‹N°›</a:t>
+              <a:t>‹#›</a:t>
             </a:fld>
             <a:endParaRPr lang="en-US"/>
           </a:p>
@@ -3005,7 +3005,7 @@
             </a:pPr>
             <a:fld id="{3A98EE3D-8CD1-4C3F-BD1C-C98C9596463C}" type="slidenum">
               <a:rPr lang="en-US"/>
-              <a:t>‹N°›</a:t>
+              <a:t>‹#›</a:t>
             </a:fld>
             <a:endParaRPr lang="en-US"/>
           </a:p>
@@ -3308,7 +3308,7 @@
             </a:pPr>
             <a:fld id="{3A98EE3D-8CD1-4C3F-BD1C-C98C9596463C}" type="slidenum">
               <a:rPr lang="en-US"/>
-              <a:t>‹N°›</a:t>
+              <a:t>‹#›</a:t>
             </a:fld>
             <a:endParaRPr lang="en-US"/>
           </a:p>
@@ -3512,7 +3512,7 @@
             </a:pPr>
             <a:fld id="{3A98EE3D-8CD1-4C3F-BD1C-C98C9596463C}" type="slidenum">
               <a:rPr lang="en-US"/>
-              <a:t>‹N°›</a:t>
+              <a:t>‹#›</a:t>
             </a:fld>
             <a:endParaRPr lang="en-US"/>
           </a:p>
@@ -3788,7 +3788,7 @@
             </a:pPr>
             <a:fld id="{3A98EE3D-8CD1-4C3F-BD1C-C98C9596463C}" type="slidenum">
               <a:rPr lang="en-US"/>
-              <a:t>‹N°›</a:t>
+              <a:t>‹#›</a:t>
             </a:fld>
             <a:endParaRPr lang="en-US"/>
           </a:p>
@@ -4198,7 +4198,7 @@
             </a:pPr>
             <a:fld id="{3A98EE3D-8CD1-4C3F-BD1C-C98C9596463C}" type="slidenum">
               <a:rPr lang="en-US"/>
-              <a:t>‹N°›</a:t>
+              <a:t>‹#›</a:t>
             </a:fld>
             <a:endParaRPr lang="en-US"/>
           </a:p>
@@ -4760,7 +4760,7 @@
             </a:pPr>
             <a:fld id="{3A98EE3D-8CD1-4C3F-BD1C-C98C9596463C}" type="slidenum">
               <a:rPr lang="en-US"/>
-              <a:t>‹N°›</a:t>
+              <a:t>‹#›</a:t>
             </a:fld>
             <a:endParaRPr lang="en-US"/>
           </a:p>
@@ -5634,7 +5634,7 @@
             </a:pPr>
             <a:fld id="{3A98EE3D-8CD1-4C3F-BD1C-C98C9596463C}" type="slidenum">
               <a:rPr lang="en-US"/>
-              <a:t>‹N°›</a:t>
+              <a:t>‹#›</a:t>
             </a:fld>
             <a:endParaRPr lang="en-US"/>
           </a:p>
@@ -5825,7 +5825,7 @@
             </a:pPr>
             <a:fld id="{3A98EE3D-8CD1-4C3F-BD1C-C98C9596463C}" type="slidenum">
               <a:rPr lang="en-US"/>
-              <a:t>‹N°›</a:t>
+              <a:t>‹#›</a:t>
             </a:fld>
             <a:endParaRPr lang="en-US"/>
           </a:p>
@@ -6030,7 +6030,7 @@
             </a:pPr>
             <a:fld id="{3A98EE3D-8CD1-4C3F-BD1C-C98C9596463C}" type="slidenum">
               <a:rPr lang="en-US"/>
-              <a:t>‹N°›</a:t>
+              <a:t>‹#›</a:t>
             </a:fld>
             <a:endParaRPr lang="en-US"/>
           </a:p>
@@ -6221,7 +6221,7 @@
             </a:pPr>
             <a:fld id="{3A98EE3D-8CD1-4C3F-BD1C-C98C9596463C}" type="slidenum">
               <a:rPr lang="en-US"/>
-              <a:t>‹N°›</a:t>
+              <a:t>‹#›</a:t>
             </a:fld>
             <a:endParaRPr lang="en-US"/>
           </a:p>
@@ -6475,7 +6475,7 @@
             </a:pPr>
             <a:fld id="{3A98EE3D-8CD1-4C3F-BD1C-C98C9596463C}" type="slidenum">
               <a:rPr lang="en-US"/>
-              <a:t>‹N°›</a:t>
+              <a:t>‹#›</a:t>
             </a:fld>
             <a:endParaRPr lang="en-US"/>
           </a:p>
@@ -6759,7 +6759,7 @@
             </a:pPr>
             <a:fld id="{3A98EE3D-8CD1-4C3F-BD1C-C98C9596463C}" type="slidenum">
               <a:rPr lang="en-US"/>
-              <a:t>‹N°›</a:t>
+              <a:t>‹#›</a:t>
             </a:fld>
             <a:endParaRPr lang="en-US"/>
           </a:p>
@@ -7255,7 +7255,7 @@
             </a:pPr>
             <a:fld id="{3A98EE3D-8CD1-4C3F-BD1C-C98C9596463C}" type="slidenum">
               <a:rPr lang="en-US"/>
-              <a:t>‹N°›</a:t>
+              <a:t>‹#›</a:t>
             </a:fld>
             <a:endParaRPr lang="en-US"/>
           </a:p>
@@ -7380,7 +7380,7 @@
             </a:pPr>
             <a:fld id="{3A98EE3D-8CD1-4C3F-BD1C-C98C9596463C}" type="slidenum">
               <a:rPr lang="en-US"/>
-              <a:t>‹N°›</a:t>
+              <a:t>‹#›</a:t>
             </a:fld>
             <a:endParaRPr lang="en-US"/>
           </a:p>
@@ -7479,7 +7479,7 @@
             </a:pPr>
             <a:fld id="{3A98EE3D-8CD1-4C3F-BD1C-C98C9596463C}" type="slidenum">
               <a:rPr lang="en-US"/>
-              <a:t>‹N°›</a:t>
+              <a:t>‹#›</a:t>
             </a:fld>
             <a:endParaRPr lang="en-US"/>
           </a:p>
@@ -7758,7 +7758,7 @@
             </a:pPr>
             <a:fld id="{3A98EE3D-8CD1-4C3F-BD1C-C98C9596463C}" type="slidenum">
               <a:rPr lang="en-US"/>
-              <a:t>‹N°›</a:t>
+              <a:t>‹#›</a:t>
             </a:fld>
             <a:endParaRPr lang="en-US"/>
           </a:p>
@@ -8063,7 +8063,7 @@
             </a:pPr>
             <a:fld id="{3A98EE3D-8CD1-4C3F-BD1C-C98C9596463C}" type="slidenum">
               <a:rPr lang="en-US"/>
-              <a:t>‹N°›</a:t>
+              <a:t>‹#›</a:t>
             </a:fld>
             <a:endParaRPr lang="en-US"/>
           </a:p>
@@ -8347,7 +8347,7 @@
             </a:pPr>
             <a:fld id="{3A98EE3D-8CD1-4C3F-BD1C-C98C9596463C}" type="slidenum">
               <a:rPr lang="en-US"/>
-              <a:t>‹N°›</a:t>
+              <a:t>‹#›</a:t>
             </a:fld>
             <a:endParaRPr lang="en-US"/>
           </a:p>
@@ -10421,10 +10421,10 @@
       </p:sp>
       <p:pic>
         <p:nvPicPr>
-          <p:cNvPr id="4" name="Image 3">
+          <p:cNvPr id="7" name="Image 6">
             <a:extLst>
               <a:ext uri="{FF2B5EF4-FFF2-40B4-BE49-F238E27FC236}">
-                <a16:creationId xmlns:a16="http://schemas.microsoft.com/office/drawing/2014/main" id="{78D68757-99BF-141D-AC67-381416AF1915}"/>
+                <a16:creationId xmlns:a16="http://schemas.microsoft.com/office/drawing/2014/main" id="{4E902DDC-2368-A3B6-C13B-3AADDB682829}"/>
               </a:ext>
             </a:extLst>
           </p:cNvPr>
@@ -10441,8 +10441,8 @@
         </p:blipFill>
         <p:spPr>
           <a:xfrm>
-            <a:off x="513176" y="876300"/>
-            <a:ext cx="1990161" cy="5772150"/>
+            <a:off x="3906084" y="2749245"/>
+            <a:ext cx="8097380" cy="2286319"/>
           </a:xfrm>
           <a:prstGeom prst="rect">
             <a:avLst/>
@@ -10451,10 +10451,10 @@
       </p:pic>
       <p:pic>
         <p:nvPicPr>
-          <p:cNvPr id="7" name="Image 6">
+          <p:cNvPr id="3" name="Picture 2">
             <a:extLst>
               <a:ext uri="{FF2B5EF4-FFF2-40B4-BE49-F238E27FC236}">
-                <a16:creationId xmlns:a16="http://schemas.microsoft.com/office/drawing/2014/main" id="{4E902DDC-2368-A3B6-C13B-3AADDB682829}"/>
+                <a16:creationId xmlns:a16="http://schemas.microsoft.com/office/drawing/2014/main" id="{1084F8CB-DD64-9B70-3379-ED4D7CCB64B4}"/>
               </a:ext>
             </a:extLst>
           </p:cNvPr>
@@ -10471,8 +10471,8 @@
         </p:blipFill>
         <p:spPr>
           <a:xfrm>
-            <a:off x="3170175" y="2619215"/>
-            <a:ext cx="8097380" cy="2286319"/>
+            <a:off x="412096" y="2619213"/>
+            <a:ext cx="3189101" cy="2546384"/>
           </a:xfrm>
           <a:prstGeom prst="rect">
             <a:avLst/>
